--- a/Seccion 2 Variable aleatoria multivariante/Diapositivas/2.4 Valor esperado, covarianza y correlación .pptx
+++ b/Seccion 2 Variable aleatoria multivariante/Diapositivas/2.4 Valor esperado, covarianza y correlación .pptx
@@ -865,7 +865,7 @@
             <a:fld id="{B61BEF0D-F0BB-DE4B-95CE-6DB70DBA9567}" type="datetimeFigureOut">
               <a:rPr lang="en-US" smtClean="0"/>
               <a:pPr/>
-              <a:t>12/13/2019</a:t>
+              <a:t>12/20/2019</a:t>
             </a:fld>
             <a:endParaRPr lang="en-US" dirty="0"/>
           </a:p>
@@ -1118,7 +1118,7 @@
             <a:fld id="{B61BEF0D-F0BB-DE4B-95CE-6DB70DBA9567}" type="datetimeFigureOut">
               <a:rPr lang="en-US" smtClean="0"/>
               <a:pPr/>
-              <a:t>12/13/2019</a:t>
+              <a:t>12/20/2019</a:t>
             </a:fld>
             <a:endParaRPr lang="en-US" dirty="0"/>
           </a:p>
@@ -1434,7 +1434,7 @@
             <a:fld id="{B61BEF0D-F0BB-DE4B-95CE-6DB70DBA9567}" type="datetimeFigureOut">
               <a:rPr lang="en-US" smtClean="0"/>
               <a:pPr/>
-              <a:t>12/13/2019</a:t>
+              <a:t>12/20/2019</a:t>
             </a:fld>
             <a:endParaRPr lang="en-US" dirty="0"/>
           </a:p>
@@ -1769,7 +1769,7 @@
             <a:fld id="{B61BEF0D-F0BB-DE4B-95CE-6DB70DBA9567}" type="datetimeFigureOut">
               <a:rPr lang="en-US" smtClean="0"/>
               <a:pPr/>
-              <a:t>12/13/2019</a:t>
+              <a:t>12/20/2019</a:t>
             </a:fld>
             <a:endParaRPr lang="en-US" dirty="0"/>
           </a:p>
@@ -2085,7 +2085,7 @@
             <a:fld id="{B61BEF0D-F0BB-DE4B-95CE-6DB70DBA9567}" type="datetimeFigureOut">
               <a:rPr lang="en-US" smtClean="0"/>
               <a:pPr/>
-              <a:t>12/13/2019</a:t>
+              <a:t>12/20/2019</a:t>
             </a:fld>
             <a:endParaRPr lang="en-US" dirty="0"/>
           </a:p>
@@ -2480,7 +2480,7 @@
             <a:fld id="{B61BEF0D-F0BB-DE4B-95CE-6DB70DBA9567}" type="datetimeFigureOut">
               <a:rPr lang="en-US" smtClean="0"/>
               <a:pPr/>
-              <a:t>12/13/2019</a:t>
+              <a:t>12/20/2019</a:t>
             </a:fld>
             <a:endParaRPr lang="en-US" dirty="0"/>
           </a:p>
@@ -2651,7 +2651,7 @@
           <a:p>
             <a:fld id="{55C6B4A9-1611-4792-9094-5F34BCA07E0B}" type="datetimeFigureOut">
               <a:rPr lang="en-US" smtClean="0"/>
-              <a:t>12/13/2019</a:t>
+              <a:t>12/20/2019</a:t>
             </a:fld>
             <a:endParaRPr lang="en-US" dirty="0"/>
           </a:p>
@@ -2832,7 +2832,7 @@
             <a:fld id="{B61BEF0D-F0BB-DE4B-95CE-6DB70DBA9567}" type="datetimeFigureOut">
               <a:rPr lang="en-US" smtClean="0"/>
               <a:pPr/>
-              <a:t>12/13/2019</a:t>
+              <a:t>12/20/2019</a:t>
             </a:fld>
             <a:endParaRPr lang="en-US" dirty="0"/>
           </a:p>
@@ -3042,7 +3042,7 @@
             <a:fld id="{B61BEF0D-F0BB-DE4B-95CE-6DB70DBA9567}" type="datetimeFigureOut">
               <a:rPr lang="en-US" smtClean="0"/>
               <a:pPr/>
-              <a:t>12/13/2019</a:t>
+              <a:t>12/20/2019</a:t>
             </a:fld>
             <a:endParaRPr lang="en-US" dirty="0"/>
           </a:p>
@@ -3242,7 +3242,7 @@
             <a:fld id="{B61BEF0D-F0BB-DE4B-95CE-6DB70DBA9567}" type="datetimeFigureOut">
               <a:rPr lang="en-US" smtClean="0"/>
               <a:pPr/>
-              <a:t>12/13/2019</a:t>
+              <a:t>12/20/2019</a:t>
             </a:fld>
             <a:endParaRPr lang="en-US" dirty="0"/>
           </a:p>
@@ -3519,7 +3519,7 @@
             <a:fld id="{B61BEF0D-F0BB-DE4B-95CE-6DB70DBA9567}" type="datetimeFigureOut">
               <a:rPr lang="en-US" smtClean="0"/>
               <a:pPr/>
-              <a:t>12/13/2019</a:t>
+              <a:t>12/20/2019</a:t>
             </a:fld>
             <a:endParaRPr lang="en-US" dirty="0"/>
           </a:p>
@@ -3703,7 +3703,7 @@
             <a:fld id="{B61BEF0D-F0BB-DE4B-95CE-6DB70DBA9567}" type="datetimeFigureOut">
               <a:rPr lang="en-US" smtClean="0"/>
               <a:pPr/>
-              <a:t>12/13/2019</a:t>
+              <a:t>12/20/2019</a:t>
             </a:fld>
             <a:endParaRPr lang="en-US" dirty="0"/>
           </a:p>
@@ -3957,7 +3957,7 @@
           <a:p>
             <a:fld id="{EB712588-04B1-427B-82EE-E8DB90309F08}" type="datetimeFigureOut">
               <a:rPr lang="en-US" smtClean="0"/>
-              <a:t>12/13/2019</a:t>
+              <a:t>12/20/2019</a:t>
             </a:fld>
             <a:endParaRPr lang="en-US" dirty="0"/>
           </a:p>
@@ -4370,7 +4370,7 @@
             <a:fld id="{B61BEF0D-F0BB-DE4B-95CE-6DB70DBA9567}" type="datetimeFigureOut">
               <a:rPr lang="en-US" smtClean="0"/>
               <a:pPr/>
-              <a:t>12/13/2019</a:t>
+              <a:t>12/20/2019</a:t>
             </a:fld>
             <a:endParaRPr lang="en-US" dirty="0"/>
           </a:p>
@@ -4513,7 +4513,7 @@
             <a:fld id="{B61BEF0D-F0BB-DE4B-95CE-6DB70DBA9567}" type="datetimeFigureOut">
               <a:rPr lang="en-US" smtClean="0"/>
               <a:pPr/>
-              <a:t>12/13/2019</a:t>
+              <a:t>12/20/2019</a:t>
             </a:fld>
             <a:endParaRPr lang="en-US" dirty="0"/>
           </a:p>
@@ -4628,7 +4628,7 @@
             <a:fld id="{B61BEF0D-F0BB-DE4B-95CE-6DB70DBA9567}" type="datetimeFigureOut">
               <a:rPr lang="en-US" smtClean="0"/>
               <a:pPr/>
-              <a:t>12/13/2019</a:t>
+              <a:t>12/20/2019</a:t>
             </a:fld>
             <a:endParaRPr lang="en-US" dirty="0"/>
           </a:p>
@@ -4940,7 +4940,7 @@
           <a:p>
             <a:fld id="{42A54C80-263E-416B-A8E0-580EDEADCBDC}" type="datetimeFigureOut">
               <a:rPr lang="en-US" smtClean="0"/>
-              <a:t>12/13/2019</a:t>
+              <a:t>12/20/2019</a:t>
             </a:fld>
             <a:endParaRPr lang="en-US" dirty="0"/>
           </a:p>
@@ -5229,7 +5229,7 @@
             <a:fld id="{B61BEF0D-F0BB-DE4B-95CE-6DB70DBA9567}" type="datetimeFigureOut">
               <a:rPr lang="en-US" smtClean="0"/>
               <a:pPr/>
-              <a:t>12/13/2019</a:t>
+              <a:t>12/20/2019</a:t>
             </a:fld>
             <a:endParaRPr lang="en-US" dirty="0"/>
           </a:p>
@@ -5428,7 +5428,7 @@
           <a:p>
             <a:fld id="{55C6B4A9-1611-4792-9094-5F34BCA07E0B}" type="datetimeFigureOut">
               <a:rPr lang="en-US" smtClean="0"/>
-              <a:t>12/13/2019</a:t>
+              <a:t>12/20/2019</a:t>
             </a:fld>
             <a:endParaRPr lang="en-US" dirty="0"/>
           </a:p>
@@ -5637,7 +5637,7 @@
             <a:fld id="{B61BEF0D-F0BB-DE4B-95CE-6DB70DBA9567}" type="datetimeFigureOut">
               <a:rPr lang="en-US" smtClean="0"/>
               <a:pPr/>
-              <a:t>12/13/2019</a:t>
+              <a:t>12/20/2019</a:t>
             </a:fld>
             <a:endParaRPr lang="en-US" dirty="0"/>
           </a:p>
@@ -5898,7 +5898,7 @@
             <a:fld id="{B61BEF0D-F0BB-DE4B-95CE-6DB70DBA9567}" type="datetimeFigureOut">
               <a:rPr lang="en-US" smtClean="0"/>
               <a:pPr/>
-              <a:t>12/13/2019</a:t>
+              <a:t>12/20/2019</a:t>
             </a:fld>
             <a:endParaRPr lang="en-US" dirty="0"/>
           </a:p>
@@ -6131,7 +6131,7 @@
           <a:p>
             <a:fld id="{EB712588-04B1-427B-82EE-E8DB90309F08}" type="datetimeFigureOut">
               <a:rPr lang="en-US" smtClean="0"/>
-              <a:t>12/13/2019</a:t>
+              <a:t>12/20/2019</a:t>
             </a:fld>
             <a:endParaRPr lang="en-US" dirty="0"/>
           </a:p>
@@ -6506,7 +6506,7 @@
             <a:fld id="{B61BEF0D-F0BB-DE4B-95CE-6DB70DBA9567}" type="datetimeFigureOut">
               <a:rPr lang="en-US" smtClean="0"/>
               <a:pPr/>
-              <a:t>12/13/2019</a:t>
+              <a:t>12/20/2019</a:t>
             </a:fld>
             <a:endParaRPr lang="en-US" dirty="0"/>
           </a:p>
@@ -6631,7 +6631,7 @@
             <a:fld id="{B61BEF0D-F0BB-DE4B-95CE-6DB70DBA9567}" type="datetimeFigureOut">
               <a:rPr lang="en-US" smtClean="0"/>
               <a:pPr/>
-              <a:t>12/13/2019</a:t>
+              <a:t>12/20/2019</a:t>
             </a:fld>
             <a:endParaRPr lang="en-US" dirty="0"/>
           </a:p>
@@ -6728,7 +6728,7 @@
             <a:fld id="{B61BEF0D-F0BB-DE4B-95CE-6DB70DBA9567}" type="datetimeFigureOut">
               <a:rPr lang="en-US" smtClean="0"/>
               <a:pPr/>
-              <a:t>12/13/2019</a:t>
+              <a:t>12/20/2019</a:t>
             </a:fld>
             <a:endParaRPr lang="en-US" dirty="0"/>
           </a:p>
@@ -6984,7 +6984,7 @@
           <a:p>
             <a:fld id="{42A54C80-263E-416B-A8E0-580EDEADCBDC}" type="datetimeFigureOut">
               <a:rPr lang="en-US" smtClean="0"/>
-              <a:t>12/13/2019</a:t>
+              <a:t>12/20/2019</a:t>
             </a:fld>
             <a:endParaRPr lang="en-US" dirty="0"/>
           </a:p>
@@ -7291,7 +7291,7 @@
             <a:fld id="{B61BEF0D-F0BB-DE4B-95CE-6DB70DBA9567}" type="datetimeFigureOut">
               <a:rPr lang="en-US" smtClean="0"/>
               <a:pPr/>
-              <a:t>12/13/2019</a:t>
+              <a:t>12/20/2019</a:t>
             </a:fld>
             <a:endParaRPr lang="en-US" dirty="0"/>
           </a:p>
@@ -7997,7 +7997,7 @@
             <a:fld id="{B61BEF0D-F0BB-DE4B-95CE-6DB70DBA9567}" type="datetimeFigureOut">
               <a:rPr lang="en-US" smtClean="0"/>
               <a:pPr/>
-              <a:t>12/13/2019</a:t>
+              <a:t>12/20/2019</a:t>
             </a:fld>
             <a:endParaRPr lang="en-US" dirty="0"/>
           </a:p>
@@ -8674,7 +8674,7 @@
             <a:fld id="{B61BEF0D-F0BB-DE4B-95CE-6DB70DBA9567}" type="datetimeFigureOut">
               <a:rPr lang="en-US" smtClean="0"/>
               <a:pPr/>
-              <a:t>12/13/2019</a:t>
+              <a:t>12/20/2019</a:t>
             </a:fld>
             <a:endParaRPr lang="en-US" dirty="0"/>
           </a:p>
@@ -9951,8 +9951,8 @@
           <a:chExt cx="0" cy="0"/>
         </a:xfrm>
       </p:grpSpPr>
-      <mc:AlternateContent xmlns:mc="http://schemas.openxmlformats.org/markup-compatibility/2006" xmlns:a14="http://schemas.microsoft.com/office/drawing/2010/main">
-        <mc:Choice Requires="a14">
+      <mc:AlternateContent xmlns:mc="http://schemas.openxmlformats.org/markup-compatibility/2006">
+        <mc:Choice xmlns:a14="http://schemas.microsoft.com/office/drawing/2010/main" Requires="a14">
           <p:sp>
             <p:nvSpPr>
               <p:cNvPr id="5" name="Marcador de contenido 2"/>
@@ -10219,20 +10219,18 @@
                 <a14:m>
                   <m:oMath xmlns:m="http://schemas.openxmlformats.org/officeDocument/2006/math">
                     <m:r>
-                      <a:rPr lang="es-ES" b="1">
+                      <a:rPr lang="es-ES">
                         <a:solidFill>
                           <a:schemeClr val="bg1"/>
                         </a:solidFill>
-                        <a:latin typeface="Cambria Math" panose="02040503050406030204" pitchFamily="18" charset="0"/>
                       </a:rPr>
                       <m:t>𝐱</m:t>
                     </m:r>
                     <m:r>
-                      <a:rPr lang="es-ES" b="0" i="1" smtClean="0">
+                      <a:rPr lang="es-ES">
                         <a:solidFill>
                           <a:schemeClr val="bg1"/>
                         </a:solidFill>
-                        <a:latin typeface="Cambria Math" panose="02040503050406030204" pitchFamily="18" charset="0"/>
                       </a:rPr>
                       <m:t>=</m:t>
                     </m:r>
@@ -10241,11 +10239,10 @@
                         <m:begChr m:val="["/>
                         <m:endChr m:val="]"/>
                         <m:ctrlPr>
-                          <a:rPr lang="es-ES" b="0" i="1" smtClean="0">
+                          <a:rPr lang="es-ES">
                             <a:solidFill>
                               <a:schemeClr val="bg1"/>
                             </a:solidFill>
-                            <a:latin typeface="Cambria Math" panose="02040503050406030204" pitchFamily="18" charset="0"/>
                           </a:rPr>
                         </m:ctrlPr>
                       </m:dPr>
@@ -10255,11 +10252,10 @@
                             <m:begChr m:val=""/>
                             <m:endChr m:val=""/>
                             <m:ctrlPr>
-                              <a:rPr lang="es-ES" b="0" i="1" smtClean="0">
+                              <a:rPr lang="es-ES">
                                 <a:solidFill>
                                   <a:schemeClr val="bg1"/>
                                 </a:solidFill>
-                                <a:latin typeface="Cambria Math" panose="02040503050406030204" pitchFamily="18" charset="0"/>
                               </a:rPr>
                             </m:ctrlPr>
                           </m:dPr>
@@ -10267,75 +10263,68 @@
                             <m:sSub>
                               <m:sSubPr>
                                 <m:ctrlPr>
-                                  <a:rPr lang="es-ES" b="0" i="1" smtClean="0">
+                                  <a:rPr lang="es-ES">
                                     <a:solidFill>
                                       <a:schemeClr val="bg1"/>
                                     </a:solidFill>
-                                    <a:latin typeface="Cambria Math" panose="02040503050406030204" pitchFamily="18" charset="0"/>
                                   </a:rPr>
                                 </m:ctrlPr>
                               </m:sSubPr>
                               <m:e>
                                 <m:r>
-                                  <a:rPr lang="es-ES" b="1" i="0" smtClean="0">
+                                  <a:rPr lang="es-ES">
                                     <a:solidFill>
                                       <a:schemeClr val="bg1"/>
                                     </a:solidFill>
-                                    <a:latin typeface="Cambria Math" panose="02040503050406030204" pitchFamily="18" charset="0"/>
                                   </a:rPr>
                                   <m:t>𝐱</m:t>
                                 </m:r>
                               </m:e>
                               <m:sub>
                                 <m:r>
-                                  <a:rPr lang="es-ES" b="0" i="1" smtClean="0">
+                                  <a:rPr lang="es-ES">
                                     <a:solidFill>
                                       <a:schemeClr val="bg1"/>
                                     </a:solidFill>
-                                    <a:latin typeface="Cambria Math" panose="02040503050406030204" pitchFamily="18" charset="0"/>
                                   </a:rPr>
                                   <m:t>1</m:t>
                                 </m:r>
                               </m:sub>
                             </m:sSub>
                             <m:r>
-                              <a:rPr lang="es-ES" b="0" i="1" smtClean="0">
+                              <a:rPr lang="es-ES">
                                 <a:solidFill>
                                   <a:schemeClr val="bg1"/>
                                 </a:solidFill>
-                                <a:latin typeface="Cambria Math" panose="02040503050406030204" pitchFamily="18" charset="0"/>
                               </a:rPr>
-                              <m:t>…</m:t>
+                              <m:t>,…,</m:t>
                             </m:r>
                             <m:sSub>
                               <m:sSubPr>
                                 <m:ctrlPr>
-                                  <a:rPr lang="es-ES" b="1" i="1" smtClean="0">
+                                  <a:rPr lang="es-ES">
                                     <a:solidFill>
                                       <a:schemeClr val="bg1"/>
                                     </a:solidFill>
-                                    <a:latin typeface="Cambria Math" panose="02040503050406030204" pitchFamily="18" charset="0"/>
                                   </a:rPr>
                                 </m:ctrlPr>
                               </m:sSubPr>
                               <m:e>
                                 <m:r>
-                                  <a:rPr lang="es-ES" b="1" i="0" smtClean="0">
+                                  <a:rPr lang="es-ES">
                                     <a:solidFill>
                                       <a:schemeClr val="bg1"/>
                                     </a:solidFill>
-                                    <a:latin typeface="Cambria Math" panose="02040503050406030204" pitchFamily="18" charset="0"/>
                                   </a:rPr>
                                   <m:t>𝐱</m:t>
                                 </m:r>
                               </m:e>
                               <m:sub>
                                 <m:r>
-                                  <a:rPr lang="es-ES" b="0" i="1" smtClean="0">
+                                  <a:rPr lang="es-ES">
                                     <a:solidFill>
                                       <a:schemeClr val="bg1"/>
                                     </a:solidFill>
-                                    <a:latin typeface="Cambria Math" panose="02040503050406030204" pitchFamily="18" charset="0"/>
                                   </a:rPr>
                                   <m:t>𝑝</m:t>
                                 </m:r>
@@ -10358,20 +10347,18 @@
                 <a14:m>
                   <m:oMath xmlns:m="http://schemas.openxmlformats.org/officeDocument/2006/math">
                     <m:r>
-                      <a:rPr lang="es-ES" i="1" dirty="0" smtClean="0">
+                      <a:rPr lang="es-ES" dirty="0">
                         <a:solidFill>
                           <a:schemeClr val="bg1"/>
                         </a:solidFill>
-                        <a:latin typeface="Cambria Math" panose="02040503050406030204" pitchFamily="18" charset="0"/>
                       </a:rPr>
                       <m:t>𝑝</m:t>
                     </m:r>
                     <m:r>
-                      <a:rPr lang="es-ES" i="1" dirty="0" smtClean="0">
+                      <a:rPr lang="es-ES" dirty="0">
                         <a:solidFill>
                           <a:schemeClr val="bg1"/>
                         </a:solidFill>
-                        <a:latin typeface="Cambria Math" panose="02040503050406030204" pitchFamily="18" charset="0"/>
                       </a:rPr>
                       <m:t>−</m:t>
                     </m:r>
@@ -10388,11 +10375,10 @@
                 <a14:m>
                   <m:oMath xmlns:m="http://schemas.openxmlformats.org/officeDocument/2006/math">
                     <m:r>
-                      <a:rPr lang="es-ES" i="1" dirty="0" smtClean="0">
+                      <a:rPr lang="es-ES" dirty="0">
                         <a:solidFill>
                           <a:schemeClr val="bg1"/>
                         </a:solidFill>
-                        <a:latin typeface="Cambria Math" panose="02040503050406030204" pitchFamily="18" charset="0"/>
                       </a:rPr>
                       <m:t>𝑛</m:t>
                     </m:r>
@@ -10411,78 +10397,68 @@
                     <m:sSub>
                       <m:sSubPr>
                         <m:ctrlPr>
-                          <a:rPr lang="es-ES" i="1">
+                          <a:rPr lang="es-ES">
                             <a:solidFill>
                               <a:schemeClr val="bg1"/>
                             </a:solidFill>
-                            <a:latin typeface="Cambria Math" panose="02040503050406030204" pitchFamily="18" charset="0"/>
                           </a:rPr>
                         </m:ctrlPr>
                       </m:sSubPr>
                       <m:e>
                         <m:r>
-                          <a:rPr lang="es-ES" b="1">
+                          <a:rPr lang="es-ES">
                             <a:solidFill>
                               <a:schemeClr val="bg1"/>
                             </a:solidFill>
-                            <a:latin typeface="Cambria Math" panose="02040503050406030204" pitchFamily="18" charset="0"/>
                           </a:rPr>
                           <m:t>𝐱</m:t>
                         </m:r>
                       </m:e>
                       <m:sub>
                         <m:r>
-                          <a:rPr lang="es-ES" b="0" i="1" smtClean="0">
+                          <a:rPr lang="es-ES">
                             <a:solidFill>
                               <a:schemeClr val="bg1"/>
                             </a:solidFill>
-                            <a:latin typeface="Cambria Math" panose="02040503050406030204" pitchFamily="18" charset="0"/>
                           </a:rPr>
                           <m:t>𝑗</m:t>
                         </m:r>
                       </m:sub>
                     </m:sSub>
                     <m:r>
-                      <a:rPr lang="es-ES" b="0" i="1" smtClean="0">
+                      <a:rPr lang="es-ES">
                         <a:solidFill>
                           <a:schemeClr val="bg1"/>
                         </a:solidFill>
-                        <a:latin typeface="Cambria Math" panose="02040503050406030204" pitchFamily="18" charset="0"/>
                       </a:rPr>
                       <m:t>∈</m:t>
                     </m:r>
                     <m:sSup>
                       <m:sSupPr>
                         <m:ctrlPr>
-                          <a:rPr lang="es-ES" b="0" i="1" smtClean="0">
+                          <a:rPr lang="es-ES">
                             <a:solidFill>
                               <a:schemeClr val="bg1"/>
                             </a:solidFill>
-                            <a:latin typeface="Cambria Math" panose="02040503050406030204" pitchFamily="18" charset="0"/>
-                            <a:ea typeface="Cambria Math" panose="02040503050406030204" pitchFamily="18" charset="0"/>
                           </a:rPr>
                         </m:ctrlPr>
                       </m:sSupPr>
                       <m:e>
                         <m:r>
-                          <a:rPr lang="es-ES" b="0" i="1" smtClean="0">
+                          <a:rPr lang="es-ES">
                             <a:solidFill>
                               <a:schemeClr val="bg1"/>
                             </a:solidFill>
-                            <a:latin typeface="Cambria Math" panose="02040503050406030204" pitchFamily="18" charset="0"/>
-                            <a:ea typeface="Cambria Math" panose="02040503050406030204" pitchFamily="18" charset="0"/>
                           </a:rPr>
                           <m:t>ℝ</m:t>
                         </m:r>
                       </m:e>
                       <m:sup>
                         <m:r>
-                          <a:rPr lang="es-ES" b="0" i="1" smtClean="0">
+                          <a:rPr lang="es-ES">
                             <a:solidFill>
                               <a:schemeClr val="bg1"/>
                             </a:solidFill>
-                            <a:latin typeface="Cambria Math" panose="02040503050406030204" pitchFamily="18" charset="0"/>
-                            <a:ea typeface="Cambria Math" panose="02040503050406030204" pitchFamily="18" charset="0"/>
                           </a:rPr>
                           <m:t>𝑛</m:t>
                         </m:r>
@@ -10501,29 +10477,26 @@
                 <a14:m>
                   <m:oMath xmlns:m="http://schemas.openxmlformats.org/officeDocument/2006/math">
                     <m:r>
-                      <a:rPr lang="es-ES" i="1" smtClean="0">
+                      <a:rPr lang="es-ES">
                         <a:solidFill>
                           <a:schemeClr val="bg1"/>
                         </a:solidFill>
-                        <a:latin typeface="Cambria Math" panose="02040503050406030204" pitchFamily="18" charset="0"/>
                       </a:rPr>
                       <m:t>𝑗</m:t>
                     </m:r>
                     <m:r>
-                      <a:rPr lang="es-ES" b="0" i="1" smtClean="0">
+                      <a:rPr lang="es-ES">
                         <a:solidFill>
                           <a:schemeClr val="bg1"/>
                         </a:solidFill>
-                        <a:latin typeface="Cambria Math" panose="02040503050406030204" pitchFamily="18" charset="0"/>
                       </a:rPr>
                       <m:t>=1,…,</m:t>
                     </m:r>
                     <m:r>
-                      <a:rPr lang="es-ES" b="0" i="1" smtClean="0">
+                      <a:rPr lang="es-ES">
                         <a:solidFill>
                           <a:schemeClr val="bg1"/>
                         </a:solidFill>
-                        <a:latin typeface="Cambria Math" panose="02040503050406030204" pitchFamily="18" charset="0"/>
                       </a:rPr>
                       <m:t>𝑝</m:t>
                     </m:r>
@@ -11460,7 +11433,7 @@
             </p:txBody>
           </p:sp>
         </mc:Choice>
-        <mc:Fallback xmlns="">
+        <mc:Fallback>
           <p:sp>
             <p:nvSpPr>
               <p:cNvPr id="5" name="Marcador de contenido 2"/>
@@ -11562,8 +11535,8 @@
           <a:chExt cx="0" cy="0"/>
         </a:xfrm>
       </p:grpSpPr>
-      <mc:AlternateContent xmlns:mc="http://schemas.openxmlformats.org/markup-compatibility/2006" xmlns:a14="http://schemas.microsoft.com/office/drawing/2010/main">
-        <mc:Choice Requires="a14">
+      <mc:AlternateContent xmlns:mc="http://schemas.openxmlformats.org/markup-compatibility/2006">
+        <mc:Choice xmlns:a14="http://schemas.microsoft.com/office/drawing/2010/main" Requires="a14">
           <p:sp>
             <p:nvSpPr>
               <p:cNvPr id="5" name="Marcador de contenido 2"/>
@@ -11926,6 +11899,15 @@
                               </m:sub>
                             </m:sSub>
                             <m:r>
+                              <a:rPr lang="es-ES" b="0" i="1" smtClean="0">
+                                <a:solidFill>
+                                  <a:schemeClr val="bg1"/>
+                                </a:solidFill>
+                                <a:latin typeface="Cambria Math" panose="02040503050406030204" pitchFamily="18" charset="0"/>
+                              </a:rPr>
+                              <m:t>,</m:t>
+                            </m:r>
+                            <m:r>
                               <a:rPr lang="es-ES" i="1">
                                 <a:solidFill>
                                   <a:schemeClr val="bg1"/>
@@ -11933,6 +11915,15 @@
                                 <a:latin typeface="Cambria Math" panose="02040503050406030204" pitchFamily="18" charset="0"/>
                               </a:rPr>
                               <m:t>…</m:t>
+                            </m:r>
+                            <m:r>
+                              <a:rPr lang="es-ES" b="0" i="1" smtClean="0">
+                                <a:solidFill>
+                                  <a:schemeClr val="bg1"/>
+                                </a:solidFill>
+                                <a:latin typeface="Cambria Math" panose="02040503050406030204" pitchFamily="18" charset="0"/>
+                              </a:rPr>
+                              <m:t>,</m:t>
                             </m:r>
                             <m:sSub>
                               <m:sSubPr>
@@ -13815,7 +13806,7 @@
             </p:txBody>
           </p:sp>
         </mc:Choice>
-        <mc:Fallback xmlns="">
+        <mc:Fallback>
           <p:sp>
             <p:nvSpPr>
               <p:cNvPr id="5" name="Marcador de contenido 2"/>
@@ -16570,8 +16561,8 @@
           <a:chExt cx="0" cy="0"/>
         </a:xfrm>
       </p:grpSpPr>
-      <mc:AlternateContent xmlns:mc="http://schemas.openxmlformats.org/markup-compatibility/2006" xmlns:a14="http://schemas.microsoft.com/office/drawing/2010/main">
-        <mc:Choice Requires="a14">
+      <mc:AlternateContent xmlns:mc="http://schemas.openxmlformats.org/markup-compatibility/2006">
+        <mc:Choice xmlns:a14="http://schemas.microsoft.com/office/drawing/2010/main" Requires="a14">
           <p:sp>
             <p:nvSpPr>
               <p:cNvPr id="5" name="Marcador de contenido 2"/>
@@ -16934,6 +16925,15 @@
                               </m:sub>
                             </m:sSub>
                             <m:r>
+                              <a:rPr lang="es-ES" b="0" i="1" smtClean="0">
+                                <a:solidFill>
+                                  <a:schemeClr val="bg1"/>
+                                </a:solidFill>
+                                <a:latin typeface="Cambria Math" panose="02040503050406030204" pitchFamily="18" charset="0"/>
+                              </a:rPr>
+                              <m:t>,</m:t>
+                            </m:r>
+                            <m:r>
                               <a:rPr lang="es-ES" i="1">
                                 <a:solidFill>
                                   <a:schemeClr val="bg1"/>
@@ -16941,6 +16941,15 @@
                                 <a:latin typeface="Cambria Math" panose="02040503050406030204" pitchFamily="18" charset="0"/>
                               </a:rPr>
                               <m:t>…</m:t>
+                            </m:r>
+                            <m:r>
+                              <a:rPr lang="es-ES" b="0" i="1" smtClean="0">
+                                <a:solidFill>
+                                  <a:schemeClr val="bg1"/>
+                                </a:solidFill>
+                                <a:latin typeface="Cambria Math" panose="02040503050406030204" pitchFamily="18" charset="0"/>
+                              </a:rPr>
+                              <m:t>,</m:t>
                             </m:r>
                             <m:sSub>
                               <m:sSubPr>
@@ -17950,7 +17959,7 @@
             </p:txBody>
           </p:sp>
         </mc:Choice>
-        <mc:Fallback xmlns="">
+        <mc:Fallback>
           <p:sp>
             <p:nvSpPr>
               <p:cNvPr id="5" name="Marcador de contenido 2"/>
@@ -19485,6 +19494,15 @@
                           </m:sub>
                         </m:sSub>
                         <m:r>
+                          <a:rPr lang="es-ES" b="0" i="1" smtClean="0">
+                            <a:solidFill>
+                              <a:schemeClr val="bg1"/>
+                            </a:solidFill>
+                            <a:latin typeface="Cambria Math" panose="02040503050406030204" pitchFamily="18" charset="0"/>
+                          </a:rPr>
+                          <m:t>,</m:t>
+                        </m:r>
+                        <m:r>
                           <a:rPr lang="es-ES" b="0" i="0" smtClean="0">
                             <a:solidFill>
                               <a:schemeClr val="bg1"/>
@@ -19492,6 +19510,15 @@
                             <a:latin typeface="Cambria Math" panose="02040503050406030204" pitchFamily="18" charset="0"/>
                           </a:rPr>
                           <m:t>…</m:t>
+                        </m:r>
+                        <m:r>
+                          <a:rPr lang="es-ES" b="0" i="0" smtClean="0">
+                            <a:solidFill>
+                              <a:schemeClr val="bg1"/>
+                            </a:solidFill>
+                            <a:latin typeface="Cambria Math" panose="02040503050406030204" pitchFamily="18" charset="0"/>
+                          </a:rPr>
+                          <m:t>,</m:t>
                         </m:r>
                         <m:sSub>
                           <m:sSubPr>
@@ -19611,6 +19638,15 @@
                           </m:sub>
                         </m:sSub>
                         <m:r>
+                          <a:rPr lang="es-ES" b="0" i="0" smtClean="0">
+                            <a:solidFill>
+                              <a:schemeClr val="bg1"/>
+                            </a:solidFill>
+                            <a:latin typeface="Cambria Math" panose="02040503050406030204" pitchFamily="18" charset="0"/>
+                          </a:rPr>
+                          <m:t>,</m:t>
+                        </m:r>
+                        <m:r>
                           <a:rPr lang="es-ES">
                             <a:solidFill>
                               <a:schemeClr val="bg1"/>
@@ -19618,6 +19654,15 @@
                             <a:latin typeface="Cambria Math" panose="02040503050406030204" pitchFamily="18" charset="0"/>
                           </a:rPr>
                           <m:t>…</m:t>
+                        </m:r>
+                        <m:r>
+                          <a:rPr lang="es-ES" b="0" i="1" smtClean="0">
+                            <a:solidFill>
+                              <a:schemeClr val="bg1"/>
+                            </a:solidFill>
+                            <a:latin typeface="Cambria Math" panose="02040503050406030204" pitchFamily="18" charset="0"/>
+                          </a:rPr>
+                          <m:t>,</m:t>
                         </m:r>
                         <m:sSub>
                           <m:sSubPr>
@@ -20562,7 +20607,7 @@
                           <m:begChr m:val="["/>
                           <m:endChr m:val="]"/>
                           <m:ctrlPr>
-                            <a:rPr lang="es-ES" b="1">
+                            <a:rPr lang="es-ES" b="1" i="1">
                               <a:solidFill>
                                 <a:srgbClr val="FFC000"/>
                               </a:solidFill>

--- a/Seccion 2 Variable aleatoria multivariante/Diapositivas/2.4 Valor esperado, covarianza y correlación .pptx
+++ b/Seccion 2 Variable aleatoria multivariante/Diapositivas/2.4 Valor esperado, covarianza y correlación .pptx
@@ -865,7 +865,7 @@
             <a:fld id="{B61BEF0D-F0BB-DE4B-95CE-6DB70DBA9567}" type="datetimeFigureOut">
               <a:rPr lang="en-US" smtClean="0"/>
               <a:pPr/>
-              <a:t>12/20/2019</a:t>
+              <a:t>3/21/2020</a:t>
             </a:fld>
             <a:endParaRPr lang="en-US" dirty="0"/>
           </a:p>
@@ -1118,7 +1118,7 @@
             <a:fld id="{B61BEF0D-F0BB-DE4B-95CE-6DB70DBA9567}" type="datetimeFigureOut">
               <a:rPr lang="en-US" smtClean="0"/>
               <a:pPr/>
-              <a:t>12/20/2019</a:t>
+              <a:t>3/21/2020</a:t>
             </a:fld>
             <a:endParaRPr lang="en-US" dirty="0"/>
           </a:p>
@@ -1434,7 +1434,7 @@
             <a:fld id="{B61BEF0D-F0BB-DE4B-95CE-6DB70DBA9567}" type="datetimeFigureOut">
               <a:rPr lang="en-US" smtClean="0"/>
               <a:pPr/>
-              <a:t>12/20/2019</a:t>
+              <a:t>3/21/2020</a:t>
             </a:fld>
             <a:endParaRPr lang="en-US" dirty="0"/>
           </a:p>
@@ -1769,7 +1769,7 @@
             <a:fld id="{B61BEF0D-F0BB-DE4B-95CE-6DB70DBA9567}" type="datetimeFigureOut">
               <a:rPr lang="en-US" smtClean="0"/>
               <a:pPr/>
-              <a:t>12/20/2019</a:t>
+              <a:t>3/21/2020</a:t>
             </a:fld>
             <a:endParaRPr lang="en-US" dirty="0"/>
           </a:p>
@@ -2085,7 +2085,7 @@
             <a:fld id="{B61BEF0D-F0BB-DE4B-95CE-6DB70DBA9567}" type="datetimeFigureOut">
               <a:rPr lang="en-US" smtClean="0"/>
               <a:pPr/>
-              <a:t>12/20/2019</a:t>
+              <a:t>3/21/2020</a:t>
             </a:fld>
             <a:endParaRPr lang="en-US" dirty="0"/>
           </a:p>
@@ -2480,7 +2480,7 @@
             <a:fld id="{B61BEF0D-F0BB-DE4B-95CE-6DB70DBA9567}" type="datetimeFigureOut">
               <a:rPr lang="en-US" smtClean="0"/>
               <a:pPr/>
-              <a:t>12/20/2019</a:t>
+              <a:t>3/21/2020</a:t>
             </a:fld>
             <a:endParaRPr lang="en-US" dirty="0"/>
           </a:p>
@@ -2651,7 +2651,7 @@
           <a:p>
             <a:fld id="{55C6B4A9-1611-4792-9094-5F34BCA07E0B}" type="datetimeFigureOut">
               <a:rPr lang="en-US" smtClean="0"/>
-              <a:t>12/20/2019</a:t>
+              <a:t>3/21/2020</a:t>
             </a:fld>
             <a:endParaRPr lang="en-US" dirty="0"/>
           </a:p>
@@ -2832,7 +2832,7 @@
             <a:fld id="{B61BEF0D-F0BB-DE4B-95CE-6DB70DBA9567}" type="datetimeFigureOut">
               <a:rPr lang="en-US" smtClean="0"/>
               <a:pPr/>
-              <a:t>12/20/2019</a:t>
+              <a:t>3/21/2020</a:t>
             </a:fld>
             <a:endParaRPr lang="en-US" dirty="0"/>
           </a:p>
@@ -3042,7 +3042,7 @@
             <a:fld id="{B61BEF0D-F0BB-DE4B-95CE-6DB70DBA9567}" type="datetimeFigureOut">
               <a:rPr lang="en-US" smtClean="0"/>
               <a:pPr/>
-              <a:t>12/20/2019</a:t>
+              <a:t>3/21/2020</a:t>
             </a:fld>
             <a:endParaRPr lang="en-US" dirty="0"/>
           </a:p>
@@ -3242,7 +3242,7 @@
             <a:fld id="{B61BEF0D-F0BB-DE4B-95CE-6DB70DBA9567}" type="datetimeFigureOut">
               <a:rPr lang="en-US" smtClean="0"/>
               <a:pPr/>
-              <a:t>12/20/2019</a:t>
+              <a:t>3/21/2020</a:t>
             </a:fld>
             <a:endParaRPr lang="en-US" dirty="0"/>
           </a:p>
@@ -3519,7 +3519,7 @@
             <a:fld id="{B61BEF0D-F0BB-DE4B-95CE-6DB70DBA9567}" type="datetimeFigureOut">
               <a:rPr lang="en-US" smtClean="0"/>
               <a:pPr/>
-              <a:t>12/20/2019</a:t>
+              <a:t>3/21/2020</a:t>
             </a:fld>
             <a:endParaRPr lang="en-US" dirty="0"/>
           </a:p>
@@ -3703,7 +3703,7 @@
             <a:fld id="{B61BEF0D-F0BB-DE4B-95CE-6DB70DBA9567}" type="datetimeFigureOut">
               <a:rPr lang="en-US" smtClean="0"/>
               <a:pPr/>
-              <a:t>12/20/2019</a:t>
+              <a:t>3/21/2020</a:t>
             </a:fld>
             <a:endParaRPr lang="en-US" dirty="0"/>
           </a:p>
@@ -3957,7 +3957,7 @@
           <a:p>
             <a:fld id="{EB712588-04B1-427B-82EE-E8DB90309F08}" type="datetimeFigureOut">
               <a:rPr lang="en-US" smtClean="0"/>
-              <a:t>12/20/2019</a:t>
+              <a:t>3/21/2020</a:t>
             </a:fld>
             <a:endParaRPr lang="en-US" dirty="0"/>
           </a:p>
@@ -4370,7 +4370,7 @@
             <a:fld id="{B61BEF0D-F0BB-DE4B-95CE-6DB70DBA9567}" type="datetimeFigureOut">
               <a:rPr lang="en-US" smtClean="0"/>
               <a:pPr/>
-              <a:t>12/20/2019</a:t>
+              <a:t>3/21/2020</a:t>
             </a:fld>
             <a:endParaRPr lang="en-US" dirty="0"/>
           </a:p>
@@ -4513,7 +4513,7 @@
             <a:fld id="{B61BEF0D-F0BB-DE4B-95CE-6DB70DBA9567}" type="datetimeFigureOut">
               <a:rPr lang="en-US" smtClean="0"/>
               <a:pPr/>
-              <a:t>12/20/2019</a:t>
+              <a:t>3/21/2020</a:t>
             </a:fld>
             <a:endParaRPr lang="en-US" dirty="0"/>
           </a:p>
@@ -4628,7 +4628,7 @@
             <a:fld id="{B61BEF0D-F0BB-DE4B-95CE-6DB70DBA9567}" type="datetimeFigureOut">
               <a:rPr lang="en-US" smtClean="0"/>
               <a:pPr/>
-              <a:t>12/20/2019</a:t>
+              <a:t>3/21/2020</a:t>
             </a:fld>
             <a:endParaRPr lang="en-US" dirty="0"/>
           </a:p>
@@ -4940,7 +4940,7 @@
           <a:p>
             <a:fld id="{42A54C80-263E-416B-A8E0-580EDEADCBDC}" type="datetimeFigureOut">
               <a:rPr lang="en-US" smtClean="0"/>
-              <a:t>12/20/2019</a:t>
+              <a:t>3/21/2020</a:t>
             </a:fld>
             <a:endParaRPr lang="en-US" dirty="0"/>
           </a:p>
@@ -5229,7 +5229,7 @@
             <a:fld id="{B61BEF0D-F0BB-DE4B-95CE-6DB70DBA9567}" type="datetimeFigureOut">
               <a:rPr lang="en-US" smtClean="0"/>
               <a:pPr/>
-              <a:t>12/20/2019</a:t>
+              <a:t>3/21/2020</a:t>
             </a:fld>
             <a:endParaRPr lang="en-US" dirty="0"/>
           </a:p>
@@ -5428,7 +5428,7 @@
           <a:p>
             <a:fld id="{55C6B4A9-1611-4792-9094-5F34BCA07E0B}" type="datetimeFigureOut">
               <a:rPr lang="en-US" smtClean="0"/>
-              <a:t>12/20/2019</a:t>
+              <a:t>3/21/2020</a:t>
             </a:fld>
             <a:endParaRPr lang="en-US" dirty="0"/>
           </a:p>
@@ -5637,7 +5637,7 @@
             <a:fld id="{B61BEF0D-F0BB-DE4B-95CE-6DB70DBA9567}" type="datetimeFigureOut">
               <a:rPr lang="en-US" smtClean="0"/>
               <a:pPr/>
-              <a:t>12/20/2019</a:t>
+              <a:t>3/21/2020</a:t>
             </a:fld>
             <a:endParaRPr lang="en-US" dirty="0"/>
           </a:p>
@@ -5898,7 +5898,7 @@
             <a:fld id="{B61BEF0D-F0BB-DE4B-95CE-6DB70DBA9567}" type="datetimeFigureOut">
               <a:rPr lang="en-US" smtClean="0"/>
               <a:pPr/>
-              <a:t>12/20/2019</a:t>
+              <a:t>3/21/2020</a:t>
             </a:fld>
             <a:endParaRPr lang="en-US" dirty="0"/>
           </a:p>
@@ -6131,7 +6131,7 @@
           <a:p>
             <a:fld id="{EB712588-04B1-427B-82EE-E8DB90309F08}" type="datetimeFigureOut">
               <a:rPr lang="en-US" smtClean="0"/>
-              <a:t>12/20/2019</a:t>
+              <a:t>3/21/2020</a:t>
             </a:fld>
             <a:endParaRPr lang="en-US" dirty="0"/>
           </a:p>
@@ -6506,7 +6506,7 @@
             <a:fld id="{B61BEF0D-F0BB-DE4B-95CE-6DB70DBA9567}" type="datetimeFigureOut">
               <a:rPr lang="en-US" smtClean="0"/>
               <a:pPr/>
-              <a:t>12/20/2019</a:t>
+              <a:t>3/21/2020</a:t>
             </a:fld>
             <a:endParaRPr lang="en-US" dirty="0"/>
           </a:p>
@@ -6631,7 +6631,7 @@
             <a:fld id="{B61BEF0D-F0BB-DE4B-95CE-6DB70DBA9567}" type="datetimeFigureOut">
               <a:rPr lang="en-US" smtClean="0"/>
               <a:pPr/>
-              <a:t>12/20/2019</a:t>
+              <a:t>3/21/2020</a:t>
             </a:fld>
             <a:endParaRPr lang="en-US" dirty="0"/>
           </a:p>
@@ -6728,7 +6728,7 @@
             <a:fld id="{B61BEF0D-F0BB-DE4B-95CE-6DB70DBA9567}" type="datetimeFigureOut">
               <a:rPr lang="en-US" smtClean="0"/>
               <a:pPr/>
-              <a:t>12/20/2019</a:t>
+              <a:t>3/21/2020</a:t>
             </a:fld>
             <a:endParaRPr lang="en-US" dirty="0"/>
           </a:p>
@@ -6984,7 +6984,7 @@
           <a:p>
             <a:fld id="{42A54C80-263E-416B-A8E0-580EDEADCBDC}" type="datetimeFigureOut">
               <a:rPr lang="en-US" smtClean="0"/>
-              <a:t>12/20/2019</a:t>
+              <a:t>3/21/2020</a:t>
             </a:fld>
             <a:endParaRPr lang="en-US" dirty="0"/>
           </a:p>
@@ -7291,7 +7291,7 @@
             <a:fld id="{B61BEF0D-F0BB-DE4B-95CE-6DB70DBA9567}" type="datetimeFigureOut">
               <a:rPr lang="en-US" smtClean="0"/>
               <a:pPr/>
-              <a:t>12/20/2019</a:t>
+              <a:t>3/21/2020</a:t>
             </a:fld>
             <a:endParaRPr lang="en-US" dirty="0"/>
           </a:p>
@@ -7997,7 +7997,7 @@
             <a:fld id="{B61BEF0D-F0BB-DE4B-95CE-6DB70DBA9567}" type="datetimeFigureOut">
               <a:rPr lang="en-US" smtClean="0"/>
               <a:pPr/>
-              <a:t>12/20/2019</a:t>
+              <a:t>3/21/2020</a:t>
             </a:fld>
             <a:endParaRPr lang="en-US" dirty="0"/>
           </a:p>
@@ -8674,7 +8674,7 @@
             <a:fld id="{B61BEF0D-F0BB-DE4B-95CE-6DB70DBA9567}" type="datetimeFigureOut">
               <a:rPr lang="en-US" smtClean="0"/>
               <a:pPr/>
-              <a:t>12/20/2019</a:t>
+              <a:t>3/21/2020</a:t>
             </a:fld>
             <a:endParaRPr lang="en-US" dirty="0"/>
           </a:p>
@@ -9951,8 +9951,8 @@
           <a:chExt cx="0" cy="0"/>
         </a:xfrm>
       </p:grpSpPr>
-      <mc:AlternateContent xmlns:mc="http://schemas.openxmlformats.org/markup-compatibility/2006">
-        <mc:Choice xmlns:a14="http://schemas.microsoft.com/office/drawing/2010/main" Requires="a14">
+      <mc:AlternateContent xmlns:mc="http://schemas.openxmlformats.org/markup-compatibility/2006" xmlns:a14="http://schemas.microsoft.com/office/drawing/2010/main">
+        <mc:Choice Requires="a14">
           <p:sp>
             <p:nvSpPr>
               <p:cNvPr id="5" name="Marcador de contenido 2"/>
@@ -10223,6 +10223,7 @@
                         <a:solidFill>
                           <a:schemeClr val="bg1"/>
                         </a:solidFill>
+                        <a:latin typeface="Cambria Math" panose="02040503050406030204" pitchFamily="18" charset="0"/>
                       </a:rPr>
                       <m:t>𝐱</m:t>
                     </m:r>
@@ -10231,6 +10232,7 @@
                         <a:solidFill>
                           <a:schemeClr val="bg1"/>
                         </a:solidFill>
+                        <a:latin typeface="Cambria Math" panose="02040503050406030204" pitchFamily="18" charset="0"/>
                       </a:rPr>
                       <m:t>=</m:t>
                     </m:r>
@@ -10239,10 +10241,11 @@
                         <m:begChr m:val="["/>
                         <m:endChr m:val="]"/>
                         <m:ctrlPr>
-                          <a:rPr lang="es-ES">
+                          <a:rPr lang="es-ES" i="1">
                             <a:solidFill>
                               <a:schemeClr val="bg1"/>
                             </a:solidFill>
+                            <a:latin typeface="Cambria Math" panose="02040503050406030204" pitchFamily="18" charset="0"/>
                           </a:rPr>
                         </m:ctrlPr>
                       </m:dPr>
@@ -10252,10 +10255,11 @@
                             <m:begChr m:val=""/>
                             <m:endChr m:val=""/>
                             <m:ctrlPr>
-                              <a:rPr lang="es-ES">
+                              <a:rPr lang="es-ES" i="1">
                                 <a:solidFill>
                                   <a:schemeClr val="bg1"/>
                                 </a:solidFill>
+                                <a:latin typeface="Cambria Math" panose="02040503050406030204" pitchFamily="18" charset="0"/>
                               </a:rPr>
                             </m:ctrlPr>
                           </m:dPr>
@@ -10263,10 +10267,11 @@
                             <m:sSub>
                               <m:sSubPr>
                                 <m:ctrlPr>
-                                  <a:rPr lang="es-ES">
+                                  <a:rPr lang="es-ES" i="1">
                                     <a:solidFill>
                                       <a:schemeClr val="bg1"/>
                                     </a:solidFill>
+                                    <a:latin typeface="Cambria Math" panose="02040503050406030204" pitchFamily="18" charset="0"/>
                                   </a:rPr>
                                 </m:ctrlPr>
                               </m:sSubPr>
@@ -10276,6 +10281,7 @@
                                     <a:solidFill>
                                       <a:schemeClr val="bg1"/>
                                     </a:solidFill>
+                                    <a:latin typeface="Cambria Math" panose="02040503050406030204" pitchFamily="18" charset="0"/>
                                   </a:rPr>
                                   <m:t>𝐱</m:t>
                                 </m:r>
@@ -10286,6 +10292,7 @@
                                     <a:solidFill>
                                       <a:schemeClr val="bg1"/>
                                     </a:solidFill>
+                                    <a:latin typeface="Cambria Math" panose="02040503050406030204" pitchFamily="18" charset="0"/>
                                   </a:rPr>
                                   <m:t>1</m:t>
                                 </m:r>
@@ -10296,16 +10303,18 @@
                                 <a:solidFill>
                                   <a:schemeClr val="bg1"/>
                                 </a:solidFill>
+                                <a:latin typeface="Cambria Math" panose="02040503050406030204" pitchFamily="18" charset="0"/>
                               </a:rPr>
                               <m:t>,…,</m:t>
                             </m:r>
                             <m:sSub>
                               <m:sSubPr>
                                 <m:ctrlPr>
-                                  <a:rPr lang="es-ES">
+                                  <a:rPr lang="es-ES" i="1">
                                     <a:solidFill>
                                       <a:schemeClr val="bg1"/>
                                     </a:solidFill>
+                                    <a:latin typeface="Cambria Math" panose="02040503050406030204" pitchFamily="18" charset="0"/>
                                   </a:rPr>
                                 </m:ctrlPr>
                               </m:sSubPr>
@@ -10315,6 +10324,7 @@
                                     <a:solidFill>
                                       <a:schemeClr val="bg1"/>
                                     </a:solidFill>
+                                    <a:latin typeface="Cambria Math" panose="02040503050406030204" pitchFamily="18" charset="0"/>
                                   </a:rPr>
                                   <m:t>𝐱</m:t>
                                 </m:r>
@@ -10325,6 +10335,7 @@
                                     <a:solidFill>
                                       <a:schemeClr val="bg1"/>
                                     </a:solidFill>
+                                    <a:latin typeface="Cambria Math" panose="02040503050406030204" pitchFamily="18" charset="0"/>
                                   </a:rPr>
                                   <m:t>𝑝</m:t>
                                 </m:r>
@@ -10351,6 +10362,7 @@
                         <a:solidFill>
                           <a:schemeClr val="bg1"/>
                         </a:solidFill>
+                        <a:latin typeface="Cambria Math" panose="02040503050406030204" pitchFamily="18" charset="0"/>
                       </a:rPr>
                       <m:t>𝑝</m:t>
                     </m:r>
@@ -10359,6 +10371,7 @@
                         <a:solidFill>
                           <a:schemeClr val="bg1"/>
                         </a:solidFill>
+                        <a:latin typeface="Cambria Math" panose="02040503050406030204" pitchFamily="18" charset="0"/>
                       </a:rPr>
                       <m:t>−</m:t>
                     </m:r>
@@ -10379,6 +10392,7 @@
                         <a:solidFill>
                           <a:schemeClr val="bg1"/>
                         </a:solidFill>
+                        <a:latin typeface="Cambria Math" panose="02040503050406030204" pitchFamily="18" charset="0"/>
                       </a:rPr>
                       <m:t>𝑛</m:t>
                     </m:r>
@@ -10397,10 +10411,11 @@
                     <m:sSub>
                       <m:sSubPr>
                         <m:ctrlPr>
-                          <a:rPr lang="es-ES">
+                          <a:rPr lang="es-ES" i="1">
                             <a:solidFill>
                               <a:schemeClr val="bg1"/>
                             </a:solidFill>
+                            <a:latin typeface="Cambria Math" panose="02040503050406030204" pitchFamily="18" charset="0"/>
                           </a:rPr>
                         </m:ctrlPr>
                       </m:sSubPr>
@@ -10410,6 +10425,7 @@
                             <a:solidFill>
                               <a:schemeClr val="bg1"/>
                             </a:solidFill>
+                            <a:latin typeface="Cambria Math" panose="02040503050406030204" pitchFamily="18" charset="0"/>
                           </a:rPr>
                           <m:t>𝐱</m:t>
                         </m:r>
@@ -10420,6 +10436,7 @@
                             <a:solidFill>
                               <a:schemeClr val="bg1"/>
                             </a:solidFill>
+                            <a:latin typeface="Cambria Math" panose="02040503050406030204" pitchFamily="18" charset="0"/>
                           </a:rPr>
                           <m:t>𝑗</m:t>
                         </m:r>
@@ -10430,16 +10447,18 @@
                         <a:solidFill>
                           <a:schemeClr val="bg1"/>
                         </a:solidFill>
+                        <a:latin typeface="Cambria Math" panose="02040503050406030204" pitchFamily="18" charset="0"/>
                       </a:rPr>
                       <m:t>∈</m:t>
                     </m:r>
                     <m:sSup>
                       <m:sSupPr>
                         <m:ctrlPr>
-                          <a:rPr lang="es-ES">
+                          <a:rPr lang="es-ES" i="1">
                             <a:solidFill>
                               <a:schemeClr val="bg1"/>
                             </a:solidFill>
+                            <a:latin typeface="Cambria Math" panose="02040503050406030204" pitchFamily="18" charset="0"/>
                           </a:rPr>
                         </m:ctrlPr>
                       </m:sSupPr>
@@ -10449,6 +10468,7 @@
                             <a:solidFill>
                               <a:schemeClr val="bg1"/>
                             </a:solidFill>
+                            <a:latin typeface="Cambria Math" panose="02040503050406030204" pitchFamily="18" charset="0"/>
                           </a:rPr>
                           <m:t>ℝ</m:t>
                         </m:r>
@@ -10459,6 +10479,7 @@
                             <a:solidFill>
                               <a:schemeClr val="bg1"/>
                             </a:solidFill>
+                            <a:latin typeface="Cambria Math" panose="02040503050406030204" pitchFamily="18" charset="0"/>
                           </a:rPr>
                           <m:t>𝑛</m:t>
                         </m:r>
@@ -10481,6 +10502,7 @@
                         <a:solidFill>
                           <a:schemeClr val="bg1"/>
                         </a:solidFill>
+                        <a:latin typeface="Cambria Math" panose="02040503050406030204" pitchFamily="18" charset="0"/>
                       </a:rPr>
                       <m:t>𝑗</m:t>
                     </m:r>
@@ -10489,6 +10511,7 @@
                         <a:solidFill>
                           <a:schemeClr val="bg1"/>
                         </a:solidFill>
+                        <a:latin typeface="Cambria Math" panose="02040503050406030204" pitchFamily="18" charset="0"/>
                       </a:rPr>
                       <m:t>=1,…,</m:t>
                     </m:r>
@@ -10497,6 +10520,7 @@
                         <a:solidFill>
                           <a:schemeClr val="bg1"/>
                         </a:solidFill>
+                        <a:latin typeface="Cambria Math" panose="02040503050406030204" pitchFamily="18" charset="0"/>
                       </a:rPr>
                       <m:t>𝑝</m:t>
                     </m:r>
@@ -11433,7 +11457,7 @@
             </p:txBody>
           </p:sp>
         </mc:Choice>
-        <mc:Fallback>
+        <mc:Fallback xmlns="">
           <p:sp>
             <p:nvSpPr>
               <p:cNvPr id="5" name="Marcador de contenido 2"/>
@@ -11535,8 +11559,8 @@
           <a:chExt cx="0" cy="0"/>
         </a:xfrm>
       </p:grpSpPr>
-      <mc:AlternateContent xmlns:mc="http://schemas.openxmlformats.org/markup-compatibility/2006">
-        <mc:Choice xmlns:a14="http://schemas.microsoft.com/office/drawing/2010/main" Requires="a14">
+      <mc:AlternateContent xmlns:mc="http://schemas.openxmlformats.org/markup-compatibility/2006" xmlns:a14="http://schemas.microsoft.com/office/drawing/2010/main">
+        <mc:Choice Requires="a14">
           <p:sp>
             <p:nvSpPr>
               <p:cNvPr id="5" name="Marcador de contenido 2"/>
@@ -13806,7 +13830,7 @@
             </p:txBody>
           </p:sp>
         </mc:Choice>
-        <mc:Fallback>
+        <mc:Fallback xmlns="">
           <p:sp>
             <p:nvSpPr>
               <p:cNvPr id="5" name="Marcador de contenido 2"/>
@@ -13908,8 +13932,8 @@
           <a:chExt cx="0" cy="0"/>
         </a:xfrm>
       </p:grpSpPr>
-      <mc:AlternateContent xmlns:mc="http://schemas.openxmlformats.org/markup-compatibility/2006" xmlns:a14="http://schemas.microsoft.com/office/drawing/2010/main">
-        <mc:Choice Requires="a14">
+      <mc:AlternateContent xmlns:mc="http://schemas.openxmlformats.org/markup-compatibility/2006">
+        <mc:Choice xmlns:a14="http://schemas.microsoft.com/office/drawing/2010/main" Requires="a14">
           <p:sp>
             <p:nvSpPr>
               <p:cNvPr id="5" name="Marcador de contenido 2"/>
@@ -15245,24 +15269,6 @@
                           </m:ctrlPr>
                         </m:dPr>
                         <m:e>
-                          <m:r>
-                            <a:rPr lang="es-ES" i="1">
-                              <a:solidFill>
-                                <a:schemeClr val="bg1"/>
-                              </a:solidFill>
-                              <a:latin typeface="Cambria Math" panose="02040503050406030204" pitchFamily="18" charset="0"/>
-                            </a:rPr>
-                            <m:t> </m:t>
-                          </m:r>
-                          <m:r>
-                            <a:rPr lang="es-ES" b="0" i="1" smtClean="0">
-                              <a:solidFill>
-                                <a:schemeClr val="bg1"/>
-                              </a:solidFill>
-                              <a:latin typeface="Cambria Math" panose="02040503050406030204" pitchFamily="18" charset="0"/>
-                            </a:rPr>
-                            <m:t> </m:t>
-                          </m:r>
                           <m:d>
                             <m:dPr>
                               <m:ctrlPr>
@@ -16459,7 +16465,7 @@
             </p:txBody>
           </p:sp>
         </mc:Choice>
-        <mc:Fallback xmlns="">
+        <mc:Fallback>
           <p:sp>
             <p:nvSpPr>
               <p:cNvPr id="5" name="Marcador de contenido 2"/>
@@ -16561,8 +16567,8 @@
           <a:chExt cx="0" cy="0"/>
         </a:xfrm>
       </p:grpSpPr>
-      <mc:AlternateContent xmlns:mc="http://schemas.openxmlformats.org/markup-compatibility/2006">
-        <mc:Choice xmlns:a14="http://schemas.microsoft.com/office/drawing/2010/main" Requires="a14">
+      <mc:AlternateContent xmlns:mc="http://schemas.openxmlformats.org/markup-compatibility/2006" xmlns:a14="http://schemas.microsoft.com/office/drawing/2010/main">
+        <mc:Choice Requires="a14">
           <p:sp>
             <p:nvSpPr>
               <p:cNvPr id="5" name="Marcador de contenido 2"/>
@@ -17959,7 +17965,7 @@
             </p:txBody>
           </p:sp>
         </mc:Choice>
-        <mc:Fallback>
+        <mc:Fallback xmlns="">
           <p:sp>
             <p:nvSpPr>
               <p:cNvPr id="5" name="Marcador de contenido 2"/>
@@ -19160,8 +19166,8 @@
           <a:chExt cx="0" cy="0"/>
         </a:xfrm>
       </p:grpSpPr>
-      <mc:AlternateContent xmlns:mc="http://schemas.openxmlformats.org/markup-compatibility/2006">
-        <mc:Choice xmlns:a14="http://schemas.microsoft.com/office/drawing/2010/main" Requires="a14">
+      <mc:AlternateContent xmlns:mc="http://schemas.openxmlformats.org/markup-compatibility/2006" xmlns:a14="http://schemas.microsoft.com/office/drawing/2010/main">
+        <mc:Choice Requires="a14">
           <p:sp>
             <p:nvSpPr>
               <p:cNvPr id="5" name="Marcador de contenido 2"/>
@@ -19509,16 +19515,7 @@
                             </a:solidFill>
                             <a:latin typeface="Cambria Math" panose="02040503050406030204" pitchFamily="18" charset="0"/>
                           </a:rPr>
-                          <m:t>…</m:t>
-                        </m:r>
-                        <m:r>
-                          <a:rPr lang="es-ES" b="0" i="0" smtClean="0">
-                            <a:solidFill>
-                              <a:schemeClr val="bg1"/>
-                            </a:solidFill>
-                            <a:latin typeface="Cambria Math" panose="02040503050406030204" pitchFamily="18" charset="0"/>
-                          </a:rPr>
-                          <m:t>,</m:t>
+                          <m:t>…,</m:t>
                         </m:r>
                         <m:sSub>
                           <m:sSubPr>
@@ -20928,7 +20925,7 @@
             </p:txBody>
           </p:sp>
         </mc:Choice>
-        <mc:Fallback>
+        <mc:Fallback xmlns="">
           <p:sp>
             <p:nvSpPr>
               <p:cNvPr id="5" name="Marcador de contenido 2"/>
